--- a/VLSI_EMB_Training.pptx
+++ b/VLSI_EMB_Training.pptx
@@ -5,10 +5,10 @@
     <p:sldMasterId id="2147483648" r:id="rId4"/>
   </p:sldMasterIdLst>
   <p:notesMasterIdLst>
-    <p:notesMasterId r:id="rId21"/>
+    <p:notesMasterId r:id="rId22"/>
   </p:notesMasterIdLst>
   <p:handoutMasterIdLst>
-    <p:handoutMasterId r:id="rId22"/>
+    <p:handoutMasterId r:id="rId23"/>
   </p:handoutMasterIdLst>
   <p:sldIdLst>
     <p:sldId id="2809" r:id="rId5"/>
@@ -25,8 +25,9 @@
     <p:sldId id="3374" r:id="rId16"/>
     <p:sldId id="3364" r:id="rId17"/>
     <p:sldId id="3377" r:id="rId18"/>
-    <p:sldId id="3360" r:id="rId19"/>
-    <p:sldId id="3324" r:id="rId20"/>
+    <p:sldId id="3379" r:id="rId19"/>
+    <p:sldId id="3360" r:id="rId20"/>
+    <p:sldId id="3324" r:id="rId21"/>
   </p:sldIdLst>
   <p:sldSz cx="9144000" cy="6858000" type="letter"/>
   <p:notesSz cx="6858000" cy="9296400"/>
@@ -8366,8 +8367,8 @@
         </p:blipFill>
         <p:spPr bwMode="auto">
           <a:xfrm>
-            <a:off x="6264924" y="5456015"/>
-            <a:ext cx="2879076" cy="1401985"/>
+            <a:off x="6111838" y="4706911"/>
+            <a:ext cx="3032162" cy="2151089"/>
           </a:xfrm>
           <a:prstGeom prst="rect">
             <a:avLst/>
@@ -12549,8 +12550,8 @@
         </p:nvSpPr>
         <p:spPr bwMode="auto">
           <a:xfrm>
-            <a:off x="5197369" y="2043397"/>
-            <a:ext cx="3492707" cy="2248524"/>
+            <a:off x="4766873" y="2043397"/>
+            <a:ext cx="3923204" cy="2248524"/>
           </a:xfrm>
           <a:prstGeom prst="wedgeEllipseCallout">
             <a:avLst/>
@@ -12700,7 +12701,7 @@
             </a:pPr>
             <a:r>
               <a:rPr lang="en-IN" sz="1800" dirty="0"/>
-              <a:t>Circuit level or chip level</a:t>
+              <a:t>However, Circuit level or chip level</a:t>
             </a:r>
           </a:p>
           <a:p>
@@ -12777,6 +12778,220 @@
 </file>
 
 <file path=ppt/slides/slide15.xml><?xml version="1.0" encoding="utf-8"?>
+<p:sld xmlns:a="http://schemas.openxmlformats.org/drawingml/2006/main" xmlns:r="http://schemas.openxmlformats.org/officeDocument/2006/relationships" xmlns:p="http://schemas.openxmlformats.org/presentationml/2006/main">
+  <p:cSld>
+    <p:spTree>
+      <p:nvGrpSpPr>
+        <p:cNvPr id="1" name=""/>
+        <p:cNvGrpSpPr/>
+        <p:nvPr/>
+      </p:nvGrpSpPr>
+      <p:grpSpPr>
+        <a:xfrm>
+          <a:off x="0" y="0"/>
+          <a:ext cx="0" cy="0"/>
+          <a:chOff x="0" y="0"/>
+          <a:chExt cx="0" cy="0"/>
+        </a:xfrm>
+      </p:grpSpPr>
+      <p:sp>
+        <p:nvSpPr>
+          <p:cNvPr id="3" name="AutoShape 2" descr="Image result for announcement">
+            <a:extLst>
+              <a:ext uri="{FF2B5EF4-FFF2-40B4-BE49-F238E27FC236}">
+                <a16:creationId xmlns:a16="http://schemas.microsoft.com/office/drawing/2014/main" id="{A157CE86-C7C7-469D-8583-8D22401EE631}"/>
+              </a:ext>
+            </a:extLst>
+          </p:cNvPr>
+          <p:cNvSpPr>
+            <a:spLocks noChangeAspect="1" noChangeArrowheads="1"/>
+          </p:cNvSpPr>
+          <p:nvPr/>
+        </p:nvSpPr>
+        <p:spPr bwMode="auto">
+          <a:xfrm>
+            <a:off x="4419600" y="3276600"/>
+            <a:ext cx="304800" cy="304800"/>
+          </a:xfrm>
+          <a:prstGeom prst="rect">
+            <a:avLst/>
+          </a:prstGeom>
+          <a:noFill/>
+          <a:extLst>
+            <a:ext uri="{909E8E84-426E-40DD-AFC4-6F175D3DCCD1}">
+              <a14:hiddenFill xmlns:a14="http://schemas.microsoft.com/office/drawing/2010/main">
+                <a:solidFill>
+                  <a:srgbClr val="FFFFFF"/>
+                </a:solidFill>
+              </a14:hiddenFill>
+            </a:ext>
+          </a:extLst>
+        </p:spPr>
+        <p:txBody>
+          <a:bodyPr vert="horz" wrap="square" lIns="91440" tIns="45720" rIns="91440" bIns="45720" numCol="1" anchor="t" anchorCtr="0" compatLnSpc="1">
+            <a:prstTxWarp prst="textNoShape">
+              <a:avLst/>
+            </a:prstTxWarp>
+          </a:bodyPr>
+          <a:lstStyle/>
+          <a:p>
+            <a:endParaRPr lang="en-IN"/>
+          </a:p>
+        </p:txBody>
+      </p:sp>
+      <p:pic>
+        <p:nvPicPr>
+          <p:cNvPr id="10246" name="Picture 6" descr="Image of announcement clipart 0 announcements clipart">
+            <a:extLst>
+              <a:ext uri="{FF2B5EF4-FFF2-40B4-BE49-F238E27FC236}">
+                <a16:creationId xmlns:a16="http://schemas.microsoft.com/office/drawing/2014/main" id="{782776D3-0C82-4CD5-BA36-5C96AA88690F}"/>
+              </a:ext>
+            </a:extLst>
+          </p:cNvPr>
+          <p:cNvPicPr>
+            <a:picLocks noChangeAspect="1" noChangeArrowheads="1"/>
+          </p:cNvPicPr>
+          <p:nvPr/>
+        </p:nvPicPr>
+        <p:blipFill>
+          <a:blip r:embed="rId2">
+            <a:extLst>
+              <a:ext uri="{28A0092B-C50C-407E-A947-70E740481C1C}">
+                <a14:useLocalDpi xmlns:a14="http://schemas.microsoft.com/office/drawing/2010/main" val="0"/>
+              </a:ext>
+            </a:extLst>
+          </a:blip>
+          <a:srcRect/>
+          <a:stretch>
+            <a:fillRect/>
+          </a:stretch>
+        </p:blipFill>
+        <p:spPr bwMode="auto">
+          <a:xfrm>
+            <a:off x="2376835" y="4347147"/>
+            <a:ext cx="2195165" cy="2207614"/>
+          </a:xfrm>
+          <a:prstGeom prst="rect">
+            <a:avLst/>
+          </a:prstGeom>
+          <a:noFill/>
+          <a:extLst>
+            <a:ext uri="{909E8E84-426E-40DD-AFC4-6F175D3DCCD1}">
+              <a14:hiddenFill xmlns:a14="http://schemas.microsoft.com/office/drawing/2010/main">
+                <a:solidFill>
+                  <a:srgbClr val="FFFFFF"/>
+                </a:solidFill>
+              </a14:hiddenFill>
+            </a:ext>
+          </a:extLst>
+        </p:spPr>
+      </p:pic>
+      <p:sp>
+        <p:nvSpPr>
+          <p:cNvPr id="5" name="Speech Bubble: Oval 4">
+            <a:extLst>
+              <a:ext uri="{FF2B5EF4-FFF2-40B4-BE49-F238E27FC236}">
+                <a16:creationId xmlns:a16="http://schemas.microsoft.com/office/drawing/2014/main" id="{C9788333-1D4B-4132-813C-7DFFB9375E2E}"/>
+              </a:ext>
+            </a:extLst>
+          </p:cNvPr>
+          <p:cNvSpPr/>
+          <p:nvPr/>
+        </p:nvSpPr>
+        <p:spPr bwMode="auto">
+          <a:xfrm>
+            <a:off x="2686539" y="1184221"/>
+            <a:ext cx="6247599" cy="2803161"/>
+          </a:xfrm>
+          <a:prstGeom prst="wedgeEllipseCallout">
+            <a:avLst/>
+          </a:prstGeom>
+          <a:solidFill>
+            <a:schemeClr val="accent1"/>
+          </a:solidFill>
+          <a:ln w="9525" cap="flat" cmpd="sng" algn="ctr">
+            <a:solidFill>
+              <a:schemeClr val="tx1"/>
+            </a:solidFill>
+            <a:prstDash val="solid"/>
+            <a:round/>
+            <a:headEnd type="none" w="med" len="med"/>
+            <a:tailEnd type="none" w="med" len="med"/>
+          </a:ln>
+          <a:effectLst/>
+        </p:spPr>
+        <p:txBody>
+          <a:bodyPr vert="horz" wrap="none" lIns="91440" tIns="45720" rIns="91440" bIns="45720" numCol="1" rtlCol="0" anchor="ctr" anchorCtr="0" compatLnSpc="1">
+            <a:prstTxWarp prst="textNoShape">
+              <a:avLst/>
+            </a:prstTxWarp>
+          </a:bodyPr>
+          <a:lstStyle/>
+          <a:p>
+            <a:pPr algn="just"/>
+            <a:r>
+              <a:rPr lang="en-IN">
+                <a:latin typeface="Bookman Old Style" panose="02050604050505020204" pitchFamily="18" charset="0"/>
+                <a:ea typeface="Microsoft Himalaya" panose="01010100010101010101" pitchFamily="2" charset="0"/>
+                <a:cs typeface="Microsoft Himalaya" panose="01010100010101010101" pitchFamily="2" charset="0"/>
+              </a:rPr>
+              <a:t>Taking these facts about an </a:t>
+            </a:r>
+          </a:p>
+          <a:p>
+            <a:pPr algn="just"/>
+            <a:r>
+              <a:rPr lang="en-IN">
+                <a:latin typeface="Bookman Old Style" panose="02050604050505020204" pitchFamily="18" charset="0"/>
+                <a:ea typeface="Microsoft Himalaya" panose="01010100010101010101" pitchFamily="2" charset="0"/>
+                <a:cs typeface="Microsoft Himalaya" panose="01010100010101010101" pitchFamily="2" charset="0"/>
+              </a:rPr>
+              <a:t>Embedded system, we had </a:t>
+            </a:r>
+          </a:p>
+          <a:p>
+            <a:pPr algn="just"/>
+            <a:r>
+              <a:rPr lang="en-IN">
+                <a:latin typeface="Bookman Old Style" panose="02050604050505020204" pitchFamily="18" charset="0"/>
+                <a:ea typeface="Microsoft Himalaya" panose="01010100010101010101" pitchFamily="2" charset="0"/>
+                <a:cs typeface="Microsoft Himalaya" panose="01010100010101010101" pitchFamily="2" charset="0"/>
+              </a:rPr>
+              <a:t>Designed the course contents and </a:t>
+            </a:r>
+          </a:p>
+          <a:p>
+            <a:pPr algn="just"/>
+            <a:r>
+              <a:rPr lang="en-IN">
+                <a:latin typeface="Bookman Old Style" panose="02050604050505020204" pitchFamily="18" charset="0"/>
+                <a:ea typeface="Microsoft Himalaya" panose="01010100010101010101" pitchFamily="2" charset="0"/>
+                <a:cs typeface="Microsoft Himalaya" panose="01010100010101010101" pitchFamily="2" charset="0"/>
+              </a:rPr>
+              <a:t>Structure for you.</a:t>
+            </a:r>
+            <a:endParaRPr lang="en-IN" dirty="0">
+              <a:latin typeface="Bookman Old Style" panose="02050604050505020204" pitchFamily="18" charset="0"/>
+              <a:ea typeface="Microsoft Himalaya" panose="01010100010101010101" pitchFamily="2" charset="0"/>
+              <a:cs typeface="Microsoft Himalaya" panose="01010100010101010101" pitchFamily="2" charset="0"/>
+            </a:endParaRPr>
+          </a:p>
+        </p:txBody>
+      </p:sp>
+    </p:spTree>
+    <p:extLst>
+      <p:ext uri="{BB962C8B-B14F-4D97-AF65-F5344CB8AC3E}">
+        <p14:creationId xmlns:p14="http://schemas.microsoft.com/office/powerpoint/2010/main" val="3543968610"/>
+      </p:ext>
+    </p:extLst>
+  </p:cSld>
+  <p:clrMapOvr>
+    <a:masterClrMapping/>
+  </p:clrMapOvr>
+</p:sld>
+</file>
+
+<file path=ppt/slides/slide16.xml><?xml version="1.0" encoding="utf-8"?>
 <p:sld xmlns:a="http://schemas.openxmlformats.org/drawingml/2006/main" xmlns:r="http://schemas.openxmlformats.org/officeDocument/2006/relationships" xmlns:p="http://schemas.openxmlformats.org/presentationml/2006/main">
   <p:cSld>
     <p:spTree>
@@ -13127,7 +13342,7 @@
 </p:sld>
 </file>
 
-<file path=ppt/slides/slide16.xml><?xml version="1.0" encoding="utf-8"?>
+<file path=ppt/slides/slide17.xml><?xml version="1.0" encoding="utf-8"?>
 <p:sld xmlns:a="http://schemas.openxmlformats.org/drawingml/2006/main" xmlns:r="http://schemas.openxmlformats.org/officeDocument/2006/relationships" xmlns:p="http://schemas.openxmlformats.org/presentationml/2006/main">
   <p:cSld>
     <p:spTree>
